--- a/Presentation/abgabe-pitch-04-slide-TrackHacker.pptx
+++ b/Presentation/abgabe-pitch-04-slide-TrackHacker.pptx
@@ -3851,6 +3851,467 @@
           </a:ln>
         </p:spPr>
       </p:pic>
+      <p:grpSp>
+        <p:nvGrpSpPr>
+          <p:cNvPr id="154" name="Group"/>
+          <p:cNvGrpSpPr/>
+          <p:nvPr/>
+        </p:nvGrpSpPr>
+        <p:grpSpPr>
+          <a:xfrm>
+            <a:off x="10770551" y="3069695"/>
+            <a:ext cx="3140975" cy="1177866"/>
+            <a:chOff x="0" y="0"/>
+            <a:chExt cx="3140974" cy="1177865"/>
+          </a:xfrm>
+        </p:grpSpPr>
+        <p:pic>
+          <p:nvPicPr>
+            <p:cNvPr id="152" name="Image" descr="Image"/>
+            <p:cNvPicPr>
+              <a:picLocks noChangeAspect="1"/>
+            </p:cNvPicPr>
+            <p:nvPr/>
+          </p:nvPicPr>
+          <p:blipFill>
+            <a:blip r:embed="rId3">
+              <a:extLst/>
+            </a:blip>
+            <a:srcRect l="0" t="0" r="0" b="0"/>
+            <a:stretch>
+              <a:fillRect/>
+            </a:stretch>
+          </p:blipFill>
+          <p:spPr>
+            <a:xfrm>
+              <a:off x="1963108" y="0"/>
+              <a:ext cx="1177867" cy="1177866"/>
+            </a:xfrm>
+            <a:prstGeom prst="rect">
+              <a:avLst/>
+            </a:prstGeom>
+            <a:ln w="12700" cap="flat">
+              <a:noFill/>
+              <a:miter lim="400000"/>
+            </a:ln>
+            <a:effectLst/>
+          </p:spPr>
+        </p:pic>
+        <p:pic>
+          <p:nvPicPr>
+            <p:cNvPr id="153" name="Image" descr="Image"/>
+            <p:cNvPicPr>
+              <a:picLocks noChangeAspect="1"/>
+            </p:cNvPicPr>
+            <p:nvPr/>
+          </p:nvPicPr>
+          <p:blipFill>
+            <a:blip r:embed="rId4">
+              <a:extLst/>
+            </a:blip>
+            <a:srcRect l="0" t="0" r="0" b="0"/>
+            <a:stretch>
+              <a:fillRect/>
+            </a:stretch>
+          </p:blipFill>
+          <p:spPr>
+            <a:xfrm>
+              <a:off x="0" y="0"/>
+              <a:ext cx="1177866" cy="1177866"/>
+            </a:xfrm>
+            <a:prstGeom prst="rect">
+              <a:avLst/>
+            </a:prstGeom>
+            <a:ln w="12700" cap="flat">
+              <a:noFill/>
+              <a:miter lim="400000"/>
+            </a:ln>
+            <a:effectLst/>
+          </p:spPr>
+        </p:pic>
+      </p:grpSp>
+      <p:grpSp>
+        <p:nvGrpSpPr>
+          <p:cNvPr id="157" name="Group"/>
+          <p:cNvGrpSpPr/>
+          <p:nvPr/>
+        </p:nvGrpSpPr>
+        <p:grpSpPr>
+          <a:xfrm>
+            <a:off x="11379200" y="9474200"/>
+            <a:ext cx="2683577" cy="1091625"/>
+            <a:chOff x="0" y="0"/>
+            <a:chExt cx="2683576" cy="1091624"/>
+          </a:xfrm>
+        </p:grpSpPr>
+        <p:pic>
+          <p:nvPicPr>
+            <p:cNvPr id="155" name="Image" descr="Image"/>
+            <p:cNvPicPr>
+              <a:picLocks noChangeAspect="1"/>
+            </p:cNvPicPr>
+            <p:nvPr/>
+          </p:nvPicPr>
+          <p:blipFill>
+            <a:blip r:embed="rId5">
+              <a:extLst/>
+            </a:blip>
+            <a:stretch>
+              <a:fillRect/>
+            </a:stretch>
+          </p:blipFill>
+          <p:spPr>
+            <a:xfrm>
+              <a:off x="0" y="0"/>
+              <a:ext cx="1091625" cy="1091625"/>
+            </a:xfrm>
+            <a:prstGeom prst="rect">
+              <a:avLst/>
+            </a:prstGeom>
+            <a:ln w="12700" cap="flat">
+              <a:noFill/>
+              <a:miter lim="400000"/>
+            </a:ln>
+            <a:effectLst/>
+          </p:spPr>
+        </p:pic>
+        <p:pic>
+          <p:nvPicPr>
+            <p:cNvPr id="156" name="Image" descr="Image"/>
+            <p:cNvPicPr>
+              <a:picLocks noChangeAspect="1"/>
+            </p:cNvPicPr>
+            <p:nvPr/>
+          </p:nvPicPr>
+          <p:blipFill>
+            <a:blip r:embed="rId6">
+              <a:extLst/>
+            </a:blip>
+            <a:stretch>
+              <a:fillRect/>
+            </a:stretch>
+          </p:blipFill>
+          <p:spPr>
+            <a:xfrm>
+              <a:off x="1591952" y="0"/>
+              <a:ext cx="1091625" cy="1091625"/>
+            </a:xfrm>
+            <a:prstGeom prst="rect">
+              <a:avLst/>
+            </a:prstGeom>
+            <a:ln w="12700" cap="flat">
+              <a:noFill/>
+              <a:miter lim="400000"/>
+            </a:ln>
+            <a:effectLst/>
+          </p:spPr>
+        </p:pic>
+      </p:grpSp>
+      <p:grpSp>
+        <p:nvGrpSpPr>
+          <p:cNvPr id="160" name="Group"/>
+          <p:cNvGrpSpPr/>
+          <p:nvPr/>
+        </p:nvGrpSpPr>
+        <p:grpSpPr>
+          <a:xfrm>
+            <a:off x="3886200" y="6165850"/>
+            <a:ext cx="2628810" cy="1091625"/>
+            <a:chOff x="0" y="0"/>
+            <a:chExt cx="2628809" cy="1091624"/>
+          </a:xfrm>
+        </p:grpSpPr>
+        <p:pic>
+          <p:nvPicPr>
+            <p:cNvPr id="158" name="Image" descr="Image"/>
+            <p:cNvPicPr>
+              <a:picLocks noChangeAspect="1"/>
+            </p:cNvPicPr>
+            <p:nvPr/>
+          </p:nvPicPr>
+          <p:blipFill>
+            <a:blip r:embed="rId7">
+              <a:extLst/>
+            </a:blip>
+            <a:stretch>
+              <a:fillRect/>
+            </a:stretch>
+          </p:blipFill>
+          <p:spPr>
+            <a:xfrm>
+              <a:off x="0" y="0"/>
+              <a:ext cx="1069347" cy="1069347"/>
+            </a:xfrm>
+            <a:prstGeom prst="rect">
+              <a:avLst/>
+            </a:prstGeom>
+            <a:ln w="12700" cap="flat">
+              <a:noFill/>
+              <a:miter lim="400000"/>
+            </a:ln>
+            <a:effectLst/>
+          </p:spPr>
+        </p:pic>
+        <p:pic>
+          <p:nvPicPr>
+            <p:cNvPr id="159" name="Image" descr="Image"/>
+            <p:cNvPicPr>
+              <a:picLocks noChangeAspect="1"/>
+            </p:cNvPicPr>
+            <p:nvPr/>
+          </p:nvPicPr>
+          <p:blipFill>
+            <a:blip r:embed="rId8">
+              <a:extLst/>
+            </a:blip>
+            <a:stretch>
+              <a:fillRect/>
+            </a:stretch>
+          </p:blipFill>
+          <p:spPr>
+            <a:xfrm>
+              <a:off x="1559463" y="22278"/>
+              <a:ext cx="1069347" cy="1069347"/>
+            </a:xfrm>
+            <a:prstGeom prst="rect">
+              <a:avLst/>
+            </a:prstGeom>
+            <a:ln w="12700" cap="flat">
+              <a:noFill/>
+              <a:miter lim="400000"/>
+            </a:ln>
+            <a:effectLst/>
+          </p:spPr>
+        </p:pic>
+      </p:grpSp>
+      <p:grpSp>
+        <p:nvGrpSpPr>
+          <p:cNvPr id="164" name="Group"/>
+          <p:cNvGrpSpPr/>
+          <p:nvPr/>
+        </p:nvGrpSpPr>
+        <p:grpSpPr>
+          <a:xfrm>
+            <a:off x="18605500" y="6172199"/>
+            <a:ext cx="4298272" cy="1091626"/>
+            <a:chOff x="0" y="0"/>
+            <a:chExt cx="4298271" cy="1091624"/>
+          </a:xfrm>
+        </p:grpSpPr>
+        <p:pic>
+          <p:nvPicPr>
+            <p:cNvPr id="161" name="Image" descr="Image"/>
+            <p:cNvPicPr>
+              <a:picLocks noChangeAspect="1"/>
+            </p:cNvPicPr>
+            <p:nvPr/>
+          </p:nvPicPr>
+          <p:blipFill>
+            <a:blip r:embed="rId9">
+              <a:extLst/>
+            </a:blip>
+            <a:stretch>
+              <a:fillRect/>
+            </a:stretch>
+          </p:blipFill>
+          <p:spPr>
+            <a:xfrm>
+              <a:off x="1614694" y="0"/>
+              <a:ext cx="1091626" cy="1091625"/>
+            </a:xfrm>
+            <a:prstGeom prst="rect">
+              <a:avLst/>
+            </a:prstGeom>
+            <a:ln w="12700" cap="flat">
+              <a:noFill/>
+              <a:miter lim="400000"/>
+            </a:ln>
+            <a:effectLst/>
+          </p:spPr>
+        </p:pic>
+        <p:pic>
+          <p:nvPicPr>
+            <p:cNvPr id="162" name="Image" descr="Image"/>
+            <p:cNvPicPr>
+              <a:picLocks noChangeAspect="1"/>
+            </p:cNvPicPr>
+            <p:nvPr/>
+          </p:nvPicPr>
+          <p:blipFill>
+            <a:blip r:embed="rId10">
+              <a:extLst/>
+            </a:blip>
+            <a:stretch>
+              <a:fillRect/>
+            </a:stretch>
+          </p:blipFill>
+          <p:spPr>
+            <a:xfrm>
+              <a:off x="3206646" y="0"/>
+              <a:ext cx="1091626" cy="1091625"/>
+            </a:xfrm>
+            <a:prstGeom prst="rect">
+              <a:avLst/>
+            </a:prstGeom>
+            <a:ln w="12700" cap="flat">
+              <a:noFill/>
+              <a:miter lim="400000"/>
+            </a:ln>
+            <a:effectLst/>
+          </p:spPr>
+        </p:pic>
+        <p:pic>
+          <p:nvPicPr>
+            <p:cNvPr id="163" name="Image" descr="Image"/>
+            <p:cNvPicPr>
+              <a:picLocks noChangeAspect="1"/>
+            </p:cNvPicPr>
+            <p:nvPr/>
+          </p:nvPicPr>
+          <p:blipFill>
+            <a:blip r:embed="rId11">
+              <a:extLst/>
+            </a:blip>
+            <a:stretch>
+              <a:fillRect/>
+            </a:stretch>
+          </p:blipFill>
+          <p:spPr>
+            <a:xfrm>
+              <a:off x="0" y="0"/>
+              <a:ext cx="1091625" cy="1091625"/>
+            </a:xfrm>
+            <a:prstGeom prst="rect">
+              <a:avLst/>
+            </a:prstGeom>
+            <a:ln w="12700" cap="flat">
+              <a:noFill/>
+              <a:miter lim="400000"/>
+            </a:ln>
+            <a:effectLst/>
+          </p:spPr>
+        </p:pic>
+      </p:grpSp>
+      <p:sp>
+        <p:nvSpPr>
+          <p:cNvPr id="165" name="Line"/>
+          <p:cNvSpPr/>
+          <p:nvPr/>
+        </p:nvSpPr>
+        <p:spPr>
+          <a:xfrm flipV="1">
+            <a:off x="7239000" y="3937000"/>
+            <a:ext cx="1270000" cy="1270000"/>
+          </a:xfrm>
+          <a:prstGeom prst="line">
+            <a:avLst/>
+          </a:prstGeom>
+          <a:ln w="114300">
+            <a:solidFill>
+              <a:srgbClr val="929292"/>
+            </a:solidFill>
+            <a:miter lim="400000"/>
+            <a:tailEnd type="triangle"/>
+          </a:ln>
+        </p:spPr>
+        <p:txBody>
+          <a:bodyPr lIns="50800" tIns="50800" rIns="50800" bIns="50800" anchor="ctr"/>
+          <a:lstStyle/>
+          <a:p>
+            <a:pPr/>
+          </a:p>
+        </p:txBody>
+      </p:sp>
+      <p:sp>
+        <p:nvSpPr>
+          <p:cNvPr id="166" name="Line"/>
+          <p:cNvSpPr/>
+          <p:nvPr/>
+        </p:nvSpPr>
+        <p:spPr>
+          <a:xfrm flipV="1">
+            <a:off x="17830799" y="8864600"/>
+            <a:ext cx="1270001" cy="1270000"/>
+          </a:xfrm>
+          <a:prstGeom prst="line">
+            <a:avLst/>
+          </a:prstGeom>
+          <a:ln w="114300">
+            <a:solidFill>
+              <a:srgbClr val="929292"/>
+            </a:solidFill>
+            <a:miter lim="400000"/>
+            <a:headEnd type="triangle"/>
+          </a:ln>
+        </p:spPr>
+        <p:txBody>
+          <a:bodyPr lIns="50800" tIns="50800" rIns="50800" bIns="50800" anchor="ctr"/>
+          <a:lstStyle/>
+          <a:p>
+            <a:pPr/>
+          </a:p>
+        </p:txBody>
+      </p:sp>
+      <p:sp>
+        <p:nvSpPr>
+          <p:cNvPr id="167" name="Line"/>
+          <p:cNvSpPr/>
+          <p:nvPr/>
+        </p:nvSpPr>
+        <p:spPr>
+          <a:xfrm>
+            <a:off x="17816445" y="4036855"/>
+            <a:ext cx="1375856" cy="1154481"/>
+          </a:xfrm>
+          <a:prstGeom prst="line">
+            <a:avLst/>
+          </a:prstGeom>
+          <a:ln w="114300">
+            <a:solidFill>
+              <a:srgbClr val="929292"/>
+            </a:solidFill>
+            <a:miter lim="400000"/>
+            <a:tailEnd type="triangle"/>
+          </a:ln>
+        </p:spPr>
+        <p:txBody>
+          <a:bodyPr lIns="50800" tIns="50800" rIns="50800" bIns="50800" anchor="ctr"/>
+          <a:lstStyle/>
+          <a:p>
+            <a:pPr/>
+          </a:p>
+        </p:txBody>
+      </p:sp>
+      <p:sp>
+        <p:nvSpPr>
+          <p:cNvPr id="168" name="Line"/>
+          <p:cNvSpPr/>
+          <p:nvPr/>
+        </p:nvSpPr>
+        <p:spPr>
+          <a:xfrm flipH="1" flipV="1">
+            <a:off x="7136542" y="8986197"/>
+            <a:ext cx="1471240" cy="1030174"/>
+          </a:xfrm>
+          <a:prstGeom prst="line">
+            <a:avLst/>
+          </a:prstGeom>
+          <a:ln w="114300">
+            <a:solidFill>
+              <a:srgbClr val="929292"/>
+            </a:solidFill>
+            <a:miter lim="400000"/>
+            <a:tailEnd type="triangle"/>
+          </a:ln>
+        </p:spPr>
+        <p:txBody>
+          <a:bodyPr lIns="50800" tIns="50800" rIns="50800" bIns="50800" anchor="ctr"/>
+          <a:lstStyle/>
+          <a:p>
+            <a:pPr/>
+          </a:p>
+        </p:txBody>
+      </p:sp>
     </p:spTree>
   </p:cSld>
   <p:clrMapOvr>
